--- a/GenZ_Proyecto 7_Presentación.pptx
+++ b/GenZ_Proyecto 7_Presentación.pptx
@@ -126,12 +126,20 @@
 </p:presentation>
 </file>
 
+<file path=ppt/revisionInfo.xml><?xml version="1.0" encoding="utf-8"?>
+<p1510:revInfo xmlns:a="http://schemas.openxmlformats.org/drawingml/2006/main" xmlns:r="http://schemas.openxmlformats.org/officeDocument/2006/relationships" xmlns:p1510="http://schemas.microsoft.com/office/powerpoint/2015/10/main">
+  <p1510:revLst>
+    <p1510:client id="{BB5EE30F-589F-4E12-9CD2-2FF69D1042B1}" v="1" dt="2026-02-22T03:21:50.348"/>
+  </p1510:revLst>
+</p1510:revInfo>
+</file>
+
 <file path=ppt/changesInfos/changesInfo1.xml><?xml version="1.0" encoding="utf-8"?>
 <pc:chgInfo xmlns:a="http://schemas.openxmlformats.org/drawingml/2006/main" xmlns:r="http://schemas.openxmlformats.org/officeDocument/2006/relationships" xmlns:ac="http://schemas.microsoft.com/office/drawing/2013/main/command" xmlns:pc="http://schemas.microsoft.com/office/powerpoint/2013/main/command">
   <pc:docChgLst>
     <pc:chgData name="Beatriz Jerez Izquierdo" userId="32242560-85a4-47b6-8b98-ce5058c1e9dd" providerId="ADAL" clId="{5F42450F-141E-4C37-B425-7BF1BD766F5E}"/>
-    <pc:docChg chg="modSld">
-      <pc:chgData name="Beatriz Jerez Izquierdo" userId="32242560-85a4-47b6-8b98-ce5058c1e9dd" providerId="ADAL" clId="{5F42450F-141E-4C37-B425-7BF1BD766F5E}" dt="2026-02-22T03:12:43.833" v="20" actId="20577"/>
+    <pc:docChg chg="undo custSel modSld">
+      <pc:chgData name="Beatriz Jerez Izquierdo" userId="32242560-85a4-47b6-8b98-ce5058c1e9dd" providerId="ADAL" clId="{5F42450F-141E-4C37-B425-7BF1BD766F5E}" dt="2026-02-22T03:27:07.227" v="198" actId="255"/>
       <pc:docMkLst>
         <pc:docMk/>
       </pc:docMkLst>
@@ -147,6 +155,37 @@
             <pc:docMk/>
             <pc:sldMk cId="0" sldId="256"/>
             <ac:spMk id="11" creationId="{00000000-0000-0000-0000-000000000000}"/>
+          </ac:spMkLst>
+        </pc:spChg>
+      </pc:sldChg>
+      <pc:sldChg chg="addSp modSp mod">
+        <pc:chgData name="Beatriz Jerez Izquierdo" userId="32242560-85a4-47b6-8b98-ce5058c1e9dd" providerId="ADAL" clId="{5F42450F-141E-4C37-B425-7BF1BD766F5E}" dt="2026-02-22T03:27:07.227" v="198" actId="255"/>
+        <pc:sldMkLst>
+          <pc:docMk/>
+          <pc:sldMk cId="0" sldId="265"/>
+        </pc:sldMkLst>
+        <pc:spChg chg="mod">
+          <ac:chgData name="Beatriz Jerez Izquierdo" userId="32242560-85a4-47b6-8b98-ce5058c1e9dd" providerId="ADAL" clId="{5F42450F-141E-4C37-B425-7BF1BD766F5E}" dt="2026-02-22T03:21:29.593" v="21" actId="207"/>
+          <ac:spMkLst>
+            <pc:docMk/>
+            <pc:sldMk cId="0" sldId="265"/>
+            <ac:spMk id="12" creationId="{00000000-0000-0000-0000-000000000000}"/>
+          </ac:spMkLst>
+        </pc:spChg>
+        <pc:spChg chg="mod">
+          <ac:chgData name="Beatriz Jerez Izquierdo" userId="32242560-85a4-47b6-8b98-ce5058c1e9dd" providerId="ADAL" clId="{5F42450F-141E-4C37-B425-7BF1BD766F5E}" dt="2026-02-22T03:24:14.698" v="116" actId="14100"/>
+          <ac:spMkLst>
+            <pc:docMk/>
+            <pc:sldMk cId="0" sldId="265"/>
+            <ac:spMk id="33" creationId="{00000000-0000-0000-0000-000000000000}"/>
+          </ac:spMkLst>
+        </pc:spChg>
+        <pc:spChg chg="add mod">
+          <ac:chgData name="Beatriz Jerez Izquierdo" userId="32242560-85a4-47b6-8b98-ce5058c1e9dd" providerId="ADAL" clId="{5F42450F-141E-4C37-B425-7BF1BD766F5E}" dt="2026-02-22T03:27:07.227" v="198" actId="255"/>
+          <ac:spMkLst>
+            <pc:docMk/>
+            <pc:sldMk cId="0" sldId="265"/>
+            <ac:spMk id="47" creationId="{3960956F-08C5-B908-B4FA-DA30C8A43946}"/>
           </ac:spMkLst>
         </pc:spChg>
       </pc:sldChg>
@@ -4421,12 +4460,16 @@
             <a:r>
               <a:rPr lang="en-US" sz="900" b="1" dirty="0">
                 <a:solidFill>
-                  <a:srgbClr val="7BC043"/>
+                  <a:srgbClr val="FF0000"/>
                 </a:solidFill>
               </a:rPr>
               <a:t>→  -0.037</a:t>
             </a:r>
-            <a:endParaRPr lang="en-US" sz="900" dirty="0"/>
+            <a:endParaRPr lang="en-US" sz="900" dirty="0">
+              <a:solidFill>
+                <a:srgbClr val="FF0000"/>
+              </a:solidFill>
+            </a:endParaRPr>
           </a:p>
         </p:txBody>
       </p:sp>
@@ -5621,6 +5664,53 @@
               <a:t>en F1 Micro</a:t>
             </a:r>
             <a:endParaRPr lang="en-US" sz="800" dirty="0"/>
+          </a:p>
+        </p:txBody>
+      </p:sp>
+      <p:sp>
+        <p:nvSpPr>
+          <p:cNvPr id="47" name="Shape 13">
+            <a:extLst>
+              <a:ext uri="{FF2B5EF4-FFF2-40B4-BE49-F238E27FC236}">
+                <a16:creationId xmlns:a16="http://schemas.microsoft.com/office/drawing/2014/main" id="{3960956F-08C5-B908-B4FA-DA30C8A43946}"/>
+              </a:ext>
+            </a:extLst>
+          </p:cNvPr>
+          <p:cNvSpPr/>
+          <p:nvPr/>
+        </p:nvSpPr>
+        <p:spPr>
+          <a:xfrm>
+            <a:off x="228600" y="4713351"/>
+            <a:ext cx="8604223" cy="375665"/>
+          </a:xfrm>
+          <a:prstGeom prst="rect">
+            <a:avLst/>
+          </a:prstGeom>
+          <a:solidFill>
+            <a:srgbClr val="FFFFFF"/>
+          </a:solidFill>
+          <a:ln w="12700">
+            <a:solidFill>
+              <a:srgbClr val="3B82F6"/>
+            </a:solidFill>
+            <a:prstDash val="solid"/>
+          </a:ln>
+        </p:spPr>
+        <p:txBody>
+          <a:bodyPr/>
+          <a:lstStyle/>
+          <a:p>
+            <a:pPr algn="ctr"/>
+            <a:r>
+              <a:rPr lang="es-MX" sz="2000" b="1" dirty="0"/>
+              <a:t>Analizando los resultados el modelo que presenta mejores métricas es </a:t>
+            </a:r>
+            <a:r>
+              <a:rPr lang="es-MX" sz="2400" b="1" dirty="0" err="1"/>
+              <a:t>Tuning</a:t>
+            </a:r>
+            <a:endParaRPr lang="es-CL" sz="2400" b="1" dirty="0"/>
           </a:p>
         </p:txBody>
       </p:sp>
